--- a/docs/figures/MIDI_Figures.pptx
+++ b/docs/figures/MIDI_Figures.pptx
@@ -104,6 +104,11 @@
       </a:defRPr>
     </a:lvl9pPr>
   </p:defaultTextStyle>
+  <p:extLst>
+    <p:ext uri="{EFAFB233-063F-42B5-8137-9DF3F51BA10A}">
+      <p15:sldGuideLst xmlns:p15="http://schemas.microsoft.com/office/powerpoint/2012/main"/>
+    </p:ext>
+  </p:extLst>
 </p:presentation>
 </file>
 
@@ -4193,6 +4198,814 @@
           </a:p>
         </p:txBody>
       </p:sp>
+      <p:sp>
+        <p:nvSpPr>
+          <p:cNvPr id="2" name="Rectangle 1">
+            <a:extLst>
+              <a:ext uri="{FF2B5EF4-FFF2-40B4-BE49-F238E27FC236}">
+                <a16:creationId xmlns:a16="http://schemas.microsoft.com/office/drawing/2014/main" id="{DE3118B1-6B87-B870-3F23-342F849B61EC}"/>
+              </a:ext>
+            </a:extLst>
+          </p:cNvPr>
+          <p:cNvSpPr/>
+          <p:nvPr/>
+        </p:nvSpPr>
+        <p:spPr>
+          <a:xfrm>
+            <a:off x="1484671" y="2652845"/>
+            <a:ext cx="2497395" cy="314633"/>
+          </a:xfrm>
+          <a:prstGeom prst="rect">
+            <a:avLst/>
+          </a:prstGeom>
+          <a:solidFill>
+            <a:schemeClr val="accent5">
+              <a:lumMod val="50000"/>
+            </a:schemeClr>
+          </a:solidFill>
+          <a:ln>
+            <a:solidFill>
+              <a:schemeClr val="bg1"/>
+            </a:solidFill>
+          </a:ln>
+        </p:spPr>
+        <p:style>
+          <a:lnRef idx="2">
+            <a:schemeClr val="accent1">
+              <a:shade val="15000"/>
+            </a:schemeClr>
+          </a:lnRef>
+          <a:fillRef idx="1">
+            <a:schemeClr val="accent1"/>
+          </a:fillRef>
+          <a:effectRef idx="0">
+            <a:schemeClr val="accent1"/>
+          </a:effectRef>
+          <a:fontRef idx="minor">
+            <a:schemeClr val="lt1"/>
+          </a:fontRef>
+        </p:style>
+        <p:txBody>
+          <a:bodyPr rtlCol="0" anchor="ctr"/>
+          <a:lstStyle/>
+          <a:p>
+            <a:pPr algn="ctr"/>
+            <a:r>
+              <a:rPr lang="fr-FR" dirty="0">
+                <a:ln w="0"/>
+                <a:solidFill>
+                  <a:schemeClr val="bg1"/>
+                </a:solidFill>
+                <a:effectLst>
+                  <a:outerShdw blurRad="38100" dist="19050" dir="2700000" algn="tl" rotWithShape="0">
+                    <a:schemeClr val="dk1">
+                      <a:alpha val="40000"/>
+                    </a:schemeClr>
+                  </a:outerShdw>
+                </a:effectLst>
+              </a:rPr>
+              <a:t>Byte 1</a:t>
+            </a:r>
+          </a:p>
+        </p:txBody>
+      </p:sp>
+      <p:sp>
+        <p:nvSpPr>
+          <p:cNvPr id="3" name="ZoneTexte 2">
+            <a:extLst>
+              <a:ext uri="{FF2B5EF4-FFF2-40B4-BE49-F238E27FC236}">
+                <a16:creationId xmlns:a16="http://schemas.microsoft.com/office/drawing/2014/main" id="{25CFBA52-31DA-BACB-1972-B1083A4EC7BB}"/>
+              </a:ext>
+            </a:extLst>
+          </p:cNvPr>
+          <p:cNvSpPr txBox="1"/>
+          <p:nvPr/>
+        </p:nvSpPr>
+        <p:spPr>
+          <a:xfrm>
+            <a:off x="707924" y="2190729"/>
+            <a:ext cx="1062214" cy="369332"/>
+          </a:xfrm>
+          <a:prstGeom prst="rect">
+            <a:avLst/>
+          </a:prstGeom>
+          <a:noFill/>
+        </p:spPr>
+        <p:txBody>
+          <a:bodyPr wrap="none" rtlCol="0">
+            <a:spAutoFit/>
+          </a:bodyPr>
+          <a:lstStyle/>
+          <a:p>
+            <a:r>
+              <a:rPr lang="fr-FR" dirty="0"/>
+              <a:t>Note OFF</a:t>
+            </a:r>
+          </a:p>
+        </p:txBody>
+      </p:sp>
+      <p:sp>
+        <p:nvSpPr>
+          <p:cNvPr id="15" name="Rectangle 14">
+            <a:extLst>
+              <a:ext uri="{FF2B5EF4-FFF2-40B4-BE49-F238E27FC236}">
+                <a16:creationId xmlns:a16="http://schemas.microsoft.com/office/drawing/2014/main" id="{357EDDE4-A8CC-7622-8E12-6A09FAA02582}"/>
+              </a:ext>
+            </a:extLst>
+          </p:cNvPr>
+          <p:cNvSpPr/>
+          <p:nvPr/>
+        </p:nvSpPr>
+        <p:spPr>
+          <a:xfrm>
+            <a:off x="4203290" y="2652846"/>
+            <a:ext cx="2497395" cy="314633"/>
+          </a:xfrm>
+          <a:prstGeom prst="rect">
+            <a:avLst/>
+          </a:prstGeom>
+          <a:solidFill>
+            <a:schemeClr val="accent5">
+              <a:lumMod val="50000"/>
+            </a:schemeClr>
+          </a:solidFill>
+          <a:ln>
+            <a:solidFill>
+              <a:schemeClr val="bg1"/>
+            </a:solidFill>
+          </a:ln>
+        </p:spPr>
+        <p:style>
+          <a:lnRef idx="2">
+            <a:schemeClr val="accent1">
+              <a:shade val="15000"/>
+            </a:schemeClr>
+          </a:lnRef>
+          <a:fillRef idx="1">
+            <a:schemeClr val="accent1"/>
+          </a:fillRef>
+          <a:effectRef idx="0">
+            <a:schemeClr val="accent1"/>
+          </a:effectRef>
+          <a:fontRef idx="minor">
+            <a:schemeClr val="lt1"/>
+          </a:fontRef>
+        </p:style>
+        <p:txBody>
+          <a:bodyPr rtlCol="0" anchor="ctr"/>
+          <a:lstStyle/>
+          <a:p>
+            <a:pPr algn="ctr"/>
+            <a:r>
+              <a:rPr lang="fr-FR" dirty="0">
+                <a:ln w="0"/>
+                <a:solidFill>
+                  <a:schemeClr val="bg1"/>
+                </a:solidFill>
+                <a:effectLst>
+                  <a:outerShdw blurRad="38100" dist="19050" dir="2700000" algn="tl" rotWithShape="0">
+                    <a:schemeClr val="dk1">
+                      <a:alpha val="40000"/>
+                    </a:schemeClr>
+                  </a:outerShdw>
+                </a:effectLst>
+              </a:rPr>
+              <a:t>Byte 2</a:t>
+            </a:r>
+          </a:p>
+        </p:txBody>
+      </p:sp>
+      <p:sp>
+        <p:nvSpPr>
+          <p:cNvPr id="18" name="Rectangle 17">
+            <a:extLst>
+              <a:ext uri="{FF2B5EF4-FFF2-40B4-BE49-F238E27FC236}">
+                <a16:creationId xmlns:a16="http://schemas.microsoft.com/office/drawing/2014/main" id="{6F1136B0-58FF-756E-12C0-2B1C50CB75AB}"/>
+              </a:ext>
+            </a:extLst>
+          </p:cNvPr>
+          <p:cNvSpPr/>
+          <p:nvPr/>
+        </p:nvSpPr>
+        <p:spPr>
+          <a:xfrm>
+            <a:off x="6921909" y="2652845"/>
+            <a:ext cx="2497395" cy="314633"/>
+          </a:xfrm>
+          <a:prstGeom prst="rect">
+            <a:avLst/>
+          </a:prstGeom>
+          <a:solidFill>
+            <a:schemeClr val="accent5">
+              <a:lumMod val="50000"/>
+            </a:schemeClr>
+          </a:solidFill>
+          <a:ln>
+            <a:solidFill>
+              <a:schemeClr val="bg1"/>
+            </a:solidFill>
+          </a:ln>
+        </p:spPr>
+        <p:style>
+          <a:lnRef idx="2">
+            <a:schemeClr val="accent1">
+              <a:shade val="15000"/>
+            </a:schemeClr>
+          </a:lnRef>
+          <a:fillRef idx="1">
+            <a:schemeClr val="accent1"/>
+          </a:fillRef>
+          <a:effectRef idx="0">
+            <a:schemeClr val="accent1"/>
+          </a:effectRef>
+          <a:fontRef idx="minor">
+            <a:schemeClr val="lt1"/>
+          </a:fontRef>
+        </p:style>
+        <p:txBody>
+          <a:bodyPr rtlCol="0" anchor="ctr"/>
+          <a:lstStyle/>
+          <a:p>
+            <a:pPr algn="ctr"/>
+            <a:r>
+              <a:rPr lang="fr-FR" dirty="0">
+                <a:ln w="0"/>
+                <a:solidFill>
+                  <a:schemeClr val="bg1"/>
+                </a:solidFill>
+                <a:effectLst>
+                  <a:outerShdw blurRad="38100" dist="19050" dir="2700000" algn="tl" rotWithShape="0">
+                    <a:schemeClr val="dk1">
+                      <a:alpha val="40000"/>
+                    </a:schemeClr>
+                  </a:outerShdw>
+                </a:effectLst>
+              </a:rPr>
+              <a:t>Byte 3</a:t>
+            </a:r>
+          </a:p>
+        </p:txBody>
+      </p:sp>
+      <p:sp>
+        <p:nvSpPr>
+          <p:cNvPr id="19" name="Rectangle 18">
+            <a:extLst>
+              <a:ext uri="{FF2B5EF4-FFF2-40B4-BE49-F238E27FC236}">
+                <a16:creationId xmlns:a16="http://schemas.microsoft.com/office/drawing/2014/main" id="{EB3EA522-E9A1-3A0D-E047-D1E0DBB84129}"/>
+              </a:ext>
+            </a:extLst>
+          </p:cNvPr>
+          <p:cNvSpPr/>
+          <p:nvPr/>
+        </p:nvSpPr>
+        <p:spPr>
+          <a:xfrm>
+            <a:off x="1484671" y="3040598"/>
+            <a:ext cx="1238868" cy="314633"/>
+          </a:xfrm>
+          <a:prstGeom prst="rect">
+            <a:avLst/>
+          </a:prstGeom>
+          <a:solidFill>
+            <a:schemeClr val="accent5">
+              <a:lumMod val="60000"/>
+              <a:lumOff val="40000"/>
+            </a:schemeClr>
+          </a:solidFill>
+          <a:ln>
+            <a:solidFill>
+              <a:schemeClr val="bg1"/>
+            </a:solidFill>
+          </a:ln>
+        </p:spPr>
+        <p:style>
+          <a:lnRef idx="2">
+            <a:schemeClr val="accent1">
+              <a:shade val="15000"/>
+            </a:schemeClr>
+          </a:lnRef>
+          <a:fillRef idx="1">
+            <a:schemeClr val="accent1"/>
+          </a:fillRef>
+          <a:effectRef idx="0">
+            <a:schemeClr val="accent1"/>
+          </a:effectRef>
+          <a:fontRef idx="minor">
+            <a:schemeClr val="lt1"/>
+          </a:fontRef>
+        </p:style>
+        <p:txBody>
+          <a:bodyPr rtlCol="0" anchor="ctr"/>
+          <a:lstStyle/>
+          <a:p>
+            <a:pPr algn="ctr"/>
+            <a:r>
+              <a:rPr lang="fr-FR" dirty="0">
+                <a:ln w="0"/>
+                <a:solidFill>
+                  <a:schemeClr val="tx1"/>
+                </a:solidFill>
+                <a:effectLst>
+                  <a:outerShdw blurRad="38100" dist="19050" dir="2700000" algn="tl" rotWithShape="0">
+                    <a:schemeClr val="dk1">
+                      <a:alpha val="40000"/>
+                    </a:schemeClr>
+                  </a:outerShdw>
+                </a:effectLst>
+              </a:rPr>
+              <a:t>1 0 0 0</a:t>
+            </a:r>
+          </a:p>
+        </p:txBody>
+      </p:sp>
+      <p:sp>
+        <p:nvSpPr>
+          <p:cNvPr id="20" name="Rectangle 19">
+            <a:extLst>
+              <a:ext uri="{FF2B5EF4-FFF2-40B4-BE49-F238E27FC236}">
+                <a16:creationId xmlns:a16="http://schemas.microsoft.com/office/drawing/2014/main" id="{1B4C278E-EC08-C7FA-BF97-519A882E8891}"/>
+              </a:ext>
+            </a:extLst>
+          </p:cNvPr>
+          <p:cNvSpPr/>
+          <p:nvPr/>
+        </p:nvSpPr>
+        <p:spPr>
+          <a:xfrm>
+            <a:off x="2743198" y="3035683"/>
+            <a:ext cx="1238868" cy="314633"/>
+          </a:xfrm>
+          <a:prstGeom prst="rect">
+            <a:avLst/>
+          </a:prstGeom>
+          <a:solidFill>
+            <a:schemeClr val="accent5">
+              <a:lumMod val="60000"/>
+              <a:lumOff val="40000"/>
+            </a:schemeClr>
+          </a:solidFill>
+          <a:ln>
+            <a:solidFill>
+              <a:schemeClr val="bg1"/>
+            </a:solidFill>
+          </a:ln>
+        </p:spPr>
+        <p:style>
+          <a:lnRef idx="2">
+            <a:schemeClr val="accent1">
+              <a:shade val="15000"/>
+            </a:schemeClr>
+          </a:lnRef>
+          <a:fillRef idx="1">
+            <a:schemeClr val="accent1"/>
+          </a:fillRef>
+          <a:effectRef idx="0">
+            <a:schemeClr val="accent1"/>
+          </a:effectRef>
+          <a:fontRef idx="minor">
+            <a:schemeClr val="lt1"/>
+          </a:fontRef>
+        </p:style>
+        <p:txBody>
+          <a:bodyPr rtlCol="0" anchor="ctr"/>
+          <a:lstStyle/>
+          <a:p>
+            <a:pPr algn="ctr"/>
+            <a:r>
+              <a:rPr lang="fr-FR" dirty="0">
+                <a:ln w="0"/>
+                <a:solidFill>
+                  <a:schemeClr val="tx1"/>
+                </a:solidFill>
+                <a:effectLst>
+                  <a:outerShdw blurRad="38100" dist="19050" dir="2700000" algn="tl" rotWithShape="0">
+                    <a:schemeClr val="dk1">
+                      <a:alpha val="40000"/>
+                    </a:schemeClr>
+                  </a:outerShdw>
+                </a:effectLst>
+              </a:rPr>
+              <a:t>channel</a:t>
+            </a:r>
+          </a:p>
+        </p:txBody>
+      </p:sp>
+      <p:sp>
+        <p:nvSpPr>
+          <p:cNvPr id="21" name="Rectangle 20">
+            <a:extLst>
+              <a:ext uri="{FF2B5EF4-FFF2-40B4-BE49-F238E27FC236}">
+                <a16:creationId xmlns:a16="http://schemas.microsoft.com/office/drawing/2014/main" id="{C3F1FEEC-1BCD-5583-B700-A050F20DD382}"/>
+              </a:ext>
+            </a:extLst>
+          </p:cNvPr>
+          <p:cNvSpPr/>
+          <p:nvPr/>
+        </p:nvSpPr>
+        <p:spPr>
+          <a:xfrm>
+            <a:off x="4611330" y="3035682"/>
+            <a:ext cx="2089353" cy="314633"/>
+          </a:xfrm>
+          <a:prstGeom prst="rect">
+            <a:avLst/>
+          </a:prstGeom>
+          <a:solidFill>
+            <a:schemeClr val="accent5">
+              <a:lumMod val="60000"/>
+              <a:lumOff val="40000"/>
+            </a:schemeClr>
+          </a:solidFill>
+          <a:ln>
+            <a:solidFill>
+              <a:schemeClr val="bg1"/>
+            </a:solidFill>
+          </a:ln>
+        </p:spPr>
+        <p:style>
+          <a:lnRef idx="2">
+            <a:schemeClr val="accent1">
+              <a:shade val="15000"/>
+            </a:schemeClr>
+          </a:lnRef>
+          <a:fillRef idx="1">
+            <a:schemeClr val="accent1"/>
+          </a:fillRef>
+          <a:effectRef idx="0">
+            <a:schemeClr val="accent1"/>
+          </a:effectRef>
+          <a:fontRef idx="minor">
+            <a:schemeClr val="lt1"/>
+          </a:fontRef>
+        </p:style>
+        <p:txBody>
+          <a:bodyPr rtlCol="0" anchor="ctr"/>
+          <a:lstStyle/>
+          <a:p>
+            <a:pPr algn="ctr"/>
+            <a:r>
+              <a:rPr lang="fr-FR" dirty="0">
+                <a:ln w="0"/>
+                <a:solidFill>
+                  <a:schemeClr val="tx1"/>
+                </a:solidFill>
+                <a:effectLst>
+                  <a:outerShdw blurRad="38100" dist="19050" dir="2700000" algn="tl" rotWithShape="0">
+                    <a:schemeClr val="dk1">
+                      <a:alpha val="40000"/>
+                    </a:schemeClr>
+                  </a:outerShdw>
+                </a:effectLst>
+              </a:rPr>
+              <a:t>pitch</a:t>
+            </a:r>
+          </a:p>
+        </p:txBody>
+      </p:sp>
+      <p:sp>
+        <p:nvSpPr>
+          <p:cNvPr id="22" name="Rectangle 21">
+            <a:extLst>
+              <a:ext uri="{FF2B5EF4-FFF2-40B4-BE49-F238E27FC236}">
+                <a16:creationId xmlns:a16="http://schemas.microsoft.com/office/drawing/2014/main" id="{EB46FCAA-391A-75A5-B636-6EA0F1365201}"/>
+              </a:ext>
+            </a:extLst>
+          </p:cNvPr>
+          <p:cNvSpPr/>
+          <p:nvPr/>
+        </p:nvSpPr>
+        <p:spPr>
+          <a:xfrm>
+            <a:off x="4203290" y="3035682"/>
+            <a:ext cx="329383" cy="314633"/>
+          </a:xfrm>
+          <a:prstGeom prst="rect">
+            <a:avLst/>
+          </a:prstGeom>
+          <a:solidFill>
+            <a:schemeClr val="accent5">
+              <a:lumMod val="60000"/>
+              <a:lumOff val="40000"/>
+            </a:schemeClr>
+          </a:solidFill>
+          <a:ln>
+            <a:solidFill>
+              <a:schemeClr val="bg1"/>
+            </a:solidFill>
+          </a:ln>
+        </p:spPr>
+        <p:style>
+          <a:lnRef idx="2">
+            <a:schemeClr val="accent1">
+              <a:shade val="15000"/>
+            </a:schemeClr>
+          </a:lnRef>
+          <a:fillRef idx="1">
+            <a:schemeClr val="accent1"/>
+          </a:fillRef>
+          <a:effectRef idx="0">
+            <a:schemeClr val="accent1"/>
+          </a:effectRef>
+          <a:fontRef idx="minor">
+            <a:schemeClr val="lt1"/>
+          </a:fontRef>
+        </p:style>
+        <p:txBody>
+          <a:bodyPr rtlCol="0" anchor="ctr"/>
+          <a:lstStyle/>
+          <a:p>
+            <a:pPr algn="ctr"/>
+            <a:r>
+              <a:rPr lang="fr-FR" dirty="0">
+                <a:ln w="0"/>
+                <a:solidFill>
+                  <a:schemeClr val="tx1"/>
+                </a:solidFill>
+                <a:effectLst>
+                  <a:outerShdw blurRad="38100" dist="19050" dir="2700000" algn="tl" rotWithShape="0">
+                    <a:schemeClr val="dk1">
+                      <a:alpha val="40000"/>
+                    </a:schemeClr>
+                  </a:outerShdw>
+                </a:effectLst>
+              </a:rPr>
+              <a:t>0</a:t>
+            </a:r>
+          </a:p>
+        </p:txBody>
+      </p:sp>
+      <p:sp>
+        <p:nvSpPr>
+          <p:cNvPr id="23" name="Rectangle 22">
+            <a:extLst>
+              <a:ext uri="{FF2B5EF4-FFF2-40B4-BE49-F238E27FC236}">
+                <a16:creationId xmlns:a16="http://schemas.microsoft.com/office/drawing/2014/main" id="{267C6C6A-A9AE-CAC8-D032-8FD24269AD23}"/>
+              </a:ext>
+            </a:extLst>
+          </p:cNvPr>
+          <p:cNvSpPr/>
+          <p:nvPr/>
+        </p:nvSpPr>
+        <p:spPr>
+          <a:xfrm>
+            <a:off x="7325027" y="3035682"/>
+            <a:ext cx="2089353" cy="314633"/>
+          </a:xfrm>
+          <a:prstGeom prst="rect">
+            <a:avLst/>
+          </a:prstGeom>
+          <a:solidFill>
+            <a:schemeClr val="accent5">
+              <a:lumMod val="60000"/>
+              <a:lumOff val="40000"/>
+            </a:schemeClr>
+          </a:solidFill>
+          <a:ln>
+            <a:solidFill>
+              <a:schemeClr val="bg1"/>
+            </a:solidFill>
+          </a:ln>
+        </p:spPr>
+        <p:style>
+          <a:lnRef idx="2">
+            <a:schemeClr val="accent1">
+              <a:shade val="15000"/>
+            </a:schemeClr>
+          </a:lnRef>
+          <a:fillRef idx="1">
+            <a:schemeClr val="accent1"/>
+          </a:fillRef>
+          <a:effectRef idx="0">
+            <a:schemeClr val="accent1"/>
+          </a:effectRef>
+          <a:fontRef idx="minor">
+            <a:schemeClr val="lt1"/>
+          </a:fontRef>
+        </p:style>
+        <p:txBody>
+          <a:bodyPr rtlCol="0" anchor="ctr"/>
+          <a:lstStyle/>
+          <a:p>
+            <a:pPr algn="ctr"/>
+            <a:r>
+              <a:rPr lang="fr-FR" dirty="0">
+                <a:ln w="0"/>
+                <a:solidFill>
+                  <a:schemeClr val="tx1"/>
+                </a:solidFill>
+                <a:effectLst>
+                  <a:outerShdw blurRad="38100" dist="19050" dir="2700000" algn="tl" rotWithShape="0">
+                    <a:schemeClr val="dk1">
+                      <a:alpha val="40000"/>
+                    </a:schemeClr>
+                  </a:outerShdw>
+                </a:effectLst>
+              </a:rPr>
+              <a:t>0 0 0 0 0 0 0</a:t>
+            </a:r>
+          </a:p>
+        </p:txBody>
+      </p:sp>
+      <p:sp>
+        <p:nvSpPr>
+          <p:cNvPr id="24" name="Rectangle 23">
+            <a:extLst>
+              <a:ext uri="{FF2B5EF4-FFF2-40B4-BE49-F238E27FC236}">
+                <a16:creationId xmlns:a16="http://schemas.microsoft.com/office/drawing/2014/main" id="{32250456-3F53-511E-DC5A-39FFDFEED501}"/>
+              </a:ext>
+            </a:extLst>
+          </p:cNvPr>
+          <p:cNvSpPr/>
+          <p:nvPr/>
+        </p:nvSpPr>
+        <p:spPr>
+          <a:xfrm>
+            <a:off x="6916987" y="3035682"/>
+            <a:ext cx="329383" cy="314633"/>
+          </a:xfrm>
+          <a:prstGeom prst="rect">
+            <a:avLst/>
+          </a:prstGeom>
+          <a:solidFill>
+            <a:schemeClr val="accent5">
+              <a:lumMod val="60000"/>
+              <a:lumOff val="40000"/>
+            </a:schemeClr>
+          </a:solidFill>
+          <a:ln>
+            <a:solidFill>
+              <a:schemeClr val="bg1"/>
+            </a:solidFill>
+          </a:ln>
+        </p:spPr>
+        <p:style>
+          <a:lnRef idx="2">
+            <a:schemeClr val="accent1">
+              <a:shade val="15000"/>
+            </a:schemeClr>
+          </a:lnRef>
+          <a:fillRef idx="1">
+            <a:schemeClr val="accent1"/>
+          </a:fillRef>
+          <a:effectRef idx="0">
+            <a:schemeClr val="accent1"/>
+          </a:effectRef>
+          <a:fontRef idx="minor">
+            <a:schemeClr val="lt1"/>
+          </a:fontRef>
+        </p:style>
+        <p:txBody>
+          <a:bodyPr rtlCol="0" anchor="ctr"/>
+          <a:lstStyle/>
+          <a:p>
+            <a:pPr algn="ctr"/>
+            <a:r>
+              <a:rPr lang="fr-FR" dirty="0">
+                <a:ln w="0"/>
+                <a:solidFill>
+                  <a:schemeClr val="tx1"/>
+                </a:solidFill>
+                <a:effectLst>
+                  <a:outerShdw blurRad="38100" dist="19050" dir="2700000" algn="tl" rotWithShape="0">
+                    <a:schemeClr val="dk1">
+                      <a:alpha val="40000"/>
+                    </a:schemeClr>
+                  </a:outerShdw>
+                </a:effectLst>
+              </a:rPr>
+              <a:t>0</a:t>
+            </a:r>
+          </a:p>
+        </p:txBody>
+      </p:sp>
+      <p:sp>
+        <p:nvSpPr>
+          <p:cNvPr id="25" name="Rectangle 24">
+            <a:extLst>
+              <a:ext uri="{FF2B5EF4-FFF2-40B4-BE49-F238E27FC236}">
+                <a16:creationId xmlns:a16="http://schemas.microsoft.com/office/drawing/2014/main" id="{75E0AB04-75E7-02B3-4DF4-598A0F0F7259}"/>
+              </a:ext>
+            </a:extLst>
+          </p:cNvPr>
+          <p:cNvSpPr/>
+          <p:nvPr/>
+        </p:nvSpPr>
+        <p:spPr>
+          <a:xfrm>
+            <a:off x="2743198" y="3418521"/>
+            <a:ext cx="1238868" cy="314633"/>
+          </a:xfrm>
+          <a:prstGeom prst="rect">
+            <a:avLst/>
+          </a:prstGeom>
+          <a:solidFill>
+            <a:schemeClr val="accent2">
+              <a:lumMod val="40000"/>
+              <a:lumOff val="60000"/>
+            </a:schemeClr>
+          </a:solidFill>
+          <a:ln>
+            <a:solidFill>
+              <a:schemeClr val="bg1"/>
+            </a:solidFill>
+          </a:ln>
+        </p:spPr>
+        <p:style>
+          <a:lnRef idx="2">
+            <a:schemeClr val="accent1">
+              <a:shade val="15000"/>
+            </a:schemeClr>
+          </a:lnRef>
+          <a:fillRef idx="1">
+            <a:schemeClr val="accent1"/>
+          </a:fillRef>
+          <a:effectRef idx="0">
+            <a:schemeClr val="accent1"/>
+          </a:effectRef>
+          <a:fontRef idx="minor">
+            <a:schemeClr val="lt1"/>
+          </a:fontRef>
+        </p:style>
+        <p:txBody>
+          <a:bodyPr rtlCol="0" anchor="ctr"/>
+          <a:lstStyle/>
+          <a:p>
+            <a:pPr algn="ctr"/>
+            <a:r>
+              <a:rPr lang="fr-FR" sz="1600" dirty="0">
+                <a:solidFill>
+                  <a:schemeClr val="tx1"/>
+                </a:solidFill>
+              </a:rPr>
+              <a:t>0 to 15</a:t>
+            </a:r>
+          </a:p>
+        </p:txBody>
+      </p:sp>
+      <p:sp>
+        <p:nvSpPr>
+          <p:cNvPr id="26" name="Rectangle 25">
+            <a:extLst>
+              <a:ext uri="{FF2B5EF4-FFF2-40B4-BE49-F238E27FC236}">
+                <a16:creationId xmlns:a16="http://schemas.microsoft.com/office/drawing/2014/main" id="{721BF021-1016-756A-6E81-A2915C60C765}"/>
+              </a:ext>
+            </a:extLst>
+          </p:cNvPr>
+          <p:cNvSpPr/>
+          <p:nvPr/>
+        </p:nvSpPr>
+        <p:spPr>
+          <a:xfrm>
+            <a:off x="4611330" y="3418518"/>
+            <a:ext cx="2089352" cy="314633"/>
+          </a:xfrm>
+          <a:prstGeom prst="rect">
+            <a:avLst/>
+          </a:prstGeom>
+          <a:solidFill>
+            <a:schemeClr val="accent2">
+              <a:lumMod val="40000"/>
+              <a:lumOff val="60000"/>
+            </a:schemeClr>
+          </a:solidFill>
+          <a:ln>
+            <a:solidFill>
+              <a:schemeClr val="bg1"/>
+            </a:solidFill>
+          </a:ln>
+        </p:spPr>
+        <p:style>
+          <a:lnRef idx="2">
+            <a:schemeClr val="accent1">
+              <a:shade val="15000"/>
+            </a:schemeClr>
+          </a:lnRef>
+          <a:fillRef idx="1">
+            <a:schemeClr val="accent1"/>
+          </a:fillRef>
+          <a:effectRef idx="0">
+            <a:schemeClr val="accent1"/>
+          </a:effectRef>
+          <a:fontRef idx="minor">
+            <a:schemeClr val="lt1"/>
+          </a:fontRef>
+        </p:style>
+        <p:txBody>
+          <a:bodyPr rtlCol="0" anchor="ctr"/>
+          <a:lstStyle/>
+          <a:p>
+            <a:pPr algn="ctr"/>
+            <a:r>
+              <a:rPr lang="fr-FR" sz="1600" dirty="0">
+                <a:solidFill>
+                  <a:schemeClr val="tx1"/>
+                </a:solidFill>
+              </a:rPr>
+              <a:t>0 to 127</a:t>
+            </a:r>
+          </a:p>
+        </p:txBody>
+      </p:sp>
     </p:spTree>
     <p:extLst>
       <p:ext uri="{BB962C8B-B14F-4D97-AF65-F5344CB8AC3E}">
